--- a/docs/diagrams/ActivityDiagramDate.pptx
+++ b/docs/diagrams/ActivityDiagramDate.pptx
@@ -105,6 +105,11 @@
       </a:defRPr>
     </a:lvl9pPr>
   </p:defaultTextStyle>
+  <p:extLst>
+    <p:ext uri="{EFAFB233-063F-42B5-8137-9DF3F51BA10A}">
+      <p15:sldGuideLst xmlns:p15="http://schemas.microsoft.com/office/powerpoint/2012/main"/>
+    </p:ext>
+  </p:extLst>
 </p:presentation>
 </file>
 
@@ -4078,44 +4083,6 @@
           </a:fontRef>
         </p:style>
       </p:cxnSp>
-      <p:cxnSp>
-        <p:nvCxnSpPr>
-          <p:cNvPr id="35" name="Straight Connector 34">
-            <a:extLst>
-              <a:ext uri="{FF2B5EF4-FFF2-40B4-BE49-F238E27FC236}">
-                <a16:creationId xmlns:a16="http://schemas.microsoft.com/office/drawing/2014/main" id="{514ACF76-2CE0-4863-9773-5CA92D156F78}"/>
-              </a:ext>
-            </a:extLst>
-          </p:cNvPr>
-          <p:cNvCxnSpPr>
-            <a:cxnSpLocks/>
-          </p:cNvCxnSpPr>
-          <p:nvPr/>
-        </p:nvCxnSpPr>
-        <p:spPr>
-          <a:xfrm>
-            <a:off x="8514736" y="2354819"/>
-            <a:ext cx="0" cy="3642858"/>
-          </a:xfrm>
-          <a:prstGeom prst="line">
-            <a:avLst/>
-          </a:prstGeom>
-        </p:spPr>
-        <p:style>
-          <a:lnRef idx="1">
-            <a:schemeClr val="accent1"/>
-          </a:lnRef>
-          <a:fillRef idx="0">
-            <a:schemeClr val="accent1"/>
-          </a:fillRef>
-          <a:effectRef idx="0">
-            <a:schemeClr val="accent1"/>
-          </a:effectRef>
-          <a:fontRef idx="minor">
-            <a:schemeClr val="tx1"/>
-          </a:fontRef>
-        </p:style>
-      </p:cxnSp>
       <p:sp>
         <p:nvSpPr>
           <p:cNvPr id="37" name="Diamond 36">
@@ -4245,48 +4212,6 @@
           </a:fontRef>
         </p:style>
       </p:cxnSp>
-      <p:cxnSp>
-        <p:nvCxnSpPr>
-          <p:cNvPr id="42" name="Straight Arrow Connector 41">
-            <a:extLst>
-              <a:ext uri="{FF2B5EF4-FFF2-40B4-BE49-F238E27FC236}">
-                <a16:creationId xmlns:a16="http://schemas.microsoft.com/office/drawing/2014/main" id="{5E042FA8-EB74-43A7-99E2-1CC1764E731D}"/>
-              </a:ext>
-            </a:extLst>
-          </p:cNvPr>
-          <p:cNvCxnSpPr>
-            <a:cxnSpLocks/>
-            <a:endCxn id="44" idx="3"/>
-          </p:cNvCxnSpPr>
-          <p:nvPr/>
-        </p:nvCxnSpPr>
-        <p:spPr>
-          <a:xfrm flipH="1">
-            <a:off x="3606594" y="5997676"/>
-            <a:ext cx="1171886" cy="0"/>
-          </a:xfrm>
-          <a:prstGeom prst="straightConnector1">
-            <a:avLst/>
-          </a:prstGeom>
-          <a:ln>
-            <a:tailEnd type="triangle"/>
-          </a:ln>
-        </p:spPr>
-        <p:style>
-          <a:lnRef idx="1">
-            <a:schemeClr val="accent1"/>
-          </a:lnRef>
-          <a:fillRef idx="0">
-            <a:schemeClr val="accent1"/>
-          </a:fillRef>
-          <a:effectRef idx="0">
-            <a:schemeClr val="accent1"/>
-          </a:effectRef>
-          <a:fontRef idx="minor">
-            <a:schemeClr val="tx1"/>
-          </a:fontRef>
-        </p:style>
-      </p:cxnSp>
       <p:sp>
         <p:nvSpPr>
           <p:cNvPr id="44" name="Rectangle: Rounded Corners 43">
@@ -4301,7 +4226,7 @@
         </p:nvSpPr>
         <p:spPr>
           <a:xfrm>
-            <a:off x="1643832" y="5628344"/>
+            <a:off x="7533355" y="3658281"/>
             <a:ext cx="1962762" cy="738664"/>
           </a:xfrm>
           <a:prstGeom prst="roundRect">
@@ -4337,47 +4262,6 @@
           </a:p>
         </p:txBody>
       </p:sp>
-      <p:cxnSp>
-        <p:nvCxnSpPr>
-          <p:cNvPr id="48" name="Straight Arrow Connector 47">
-            <a:extLst>
-              <a:ext uri="{FF2B5EF4-FFF2-40B4-BE49-F238E27FC236}">
-                <a16:creationId xmlns:a16="http://schemas.microsoft.com/office/drawing/2014/main" id="{3B8D98DF-2005-4BC8-ACBB-EA5CFAD2F8FA}"/>
-              </a:ext>
-            </a:extLst>
-          </p:cNvPr>
-          <p:cNvCxnSpPr>
-            <a:stCxn id="44" idx="0"/>
-          </p:cNvCxnSpPr>
-          <p:nvPr/>
-        </p:nvCxnSpPr>
-        <p:spPr>
-          <a:xfrm flipV="1">
-            <a:off x="2625213" y="4837090"/>
-            <a:ext cx="1843" cy="791254"/>
-          </a:xfrm>
-          <a:prstGeom prst="straightConnector1">
-            <a:avLst/>
-          </a:prstGeom>
-          <a:ln>
-            <a:tailEnd type="triangle"/>
-          </a:ln>
-        </p:spPr>
-        <p:style>
-          <a:lnRef idx="1">
-            <a:schemeClr val="accent1"/>
-          </a:lnRef>
-          <a:fillRef idx="0">
-            <a:schemeClr val="accent1"/>
-          </a:fillRef>
-          <a:effectRef idx="0">
-            <a:schemeClr val="accent1"/>
-          </a:effectRef>
-          <a:fontRef idx="minor">
-            <a:schemeClr val="tx1"/>
-          </a:fontRef>
-        </p:style>
-      </p:cxnSp>
       <p:sp>
         <p:nvSpPr>
           <p:cNvPr id="50" name="Rectangle: Rounded Corners 49">
@@ -4392,7 +4276,7 @@
         </p:nvSpPr>
         <p:spPr>
           <a:xfrm>
-            <a:off x="1643832" y="4095964"/>
+            <a:off x="1651207" y="5628344"/>
             <a:ext cx="2026058" cy="738664"/>
           </a:xfrm>
           <a:prstGeom prst="roundRect">
@@ -4445,7 +4329,7 @@
         </p:nvCxnSpPr>
         <p:spPr>
           <a:xfrm flipH="1">
-            <a:off x="1112891" y="4465296"/>
+            <a:off x="1120266" y="5997676"/>
             <a:ext cx="530941" cy="0"/>
           </a:xfrm>
           <a:prstGeom prst="straightConnector1">
@@ -4484,7 +4368,7 @@
         </p:nvSpPr>
         <p:spPr>
           <a:xfrm>
-            <a:off x="581950" y="4202073"/>
+            <a:off x="584408" y="5728928"/>
             <a:ext cx="530941" cy="521110"/>
           </a:xfrm>
           <a:prstGeom prst="ellipse">
@@ -4516,6 +4400,125 @@
           </a:p>
         </p:txBody>
       </p:sp>
+      <p:cxnSp>
+        <p:nvCxnSpPr>
+          <p:cNvPr id="3" name="Straight Arrow Connector 2">
+            <a:extLst>
+              <a:ext uri="{FF2B5EF4-FFF2-40B4-BE49-F238E27FC236}">
+                <a16:creationId xmlns:a16="http://schemas.microsoft.com/office/drawing/2014/main" id="{737D50F2-3EEB-4F2B-A74F-2F94BE56DDB4}"/>
+              </a:ext>
+            </a:extLst>
+          </p:cNvPr>
+          <p:cNvCxnSpPr/>
+          <p:nvPr/>
+        </p:nvCxnSpPr>
+        <p:spPr>
+          <a:xfrm>
+            <a:off x="8514736" y="2354819"/>
+            <a:ext cx="0" cy="1303462"/>
+          </a:xfrm>
+          <a:prstGeom prst="straightConnector1">
+            <a:avLst/>
+          </a:prstGeom>
+          <a:ln>
+            <a:tailEnd type="triangle"/>
+          </a:ln>
+        </p:spPr>
+        <p:style>
+          <a:lnRef idx="1">
+            <a:schemeClr val="accent1"/>
+          </a:lnRef>
+          <a:fillRef idx="0">
+            <a:schemeClr val="accent1"/>
+          </a:fillRef>
+          <a:effectRef idx="0">
+            <a:schemeClr val="accent1"/>
+          </a:effectRef>
+          <a:fontRef idx="minor">
+            <a:schemeClr val="tx1"/>
+          </a:fontRef>
+        </p:style>
+      </p:cxnSp>
+      <p:cxnSp>
+        <p:nvCxnSpPr>
+          <p:cNvPr id="15" name="Straight Connector 14">
+            <a:extLst>
+              <a:ext uri="{FF2B5EF4-FFF2-40B4-BE49-F238E27FC236}">
+                <a16:creationId xmlns:a16="http://schemas.microsoft.com/office/drawing/2014/main" id="{55E5C36F-7F9C-4E9F-9C29-D965594351FF}"/>
+              </a:ext>
+            </a:extLst>
+          </p:cNvPr>
+          <p:cNvCxnSpPr>
+            <a:stCxn id="44" idx="2"/>
+          </p:cNvCxnSpPr>
+          <p:nvPr/>
+        </p:nvCxnSpPr>
+        <p:spPr>
+          <a:xfrm>
+            <a:off x="8514736" y="4396945"/>
+            <a:ext cx="0" cy="1600731"/>
+          </a:xfrm>
+          <a:prstGeom prst="line">
+            <a:avLst/>
+          </a:prstGeom>
+        </p:spPr>
+        <p:style>
+          <a:lnRef idx="1">
+            <a:schemeClr val="accent1"/>
+          </a:lnRef>
+          <a:fillRef idx="0">
+            <a:schemeClr val="accent1"/>
+          </a:fillRef>
+          <a:effectRef idx="0">
+            <a:schemeClr val="accent1"/>
+          </a:effectRef>
+          <a:fontRef idx="minor">
+            <a:schemeClr val="tx1"/>
+          </a:fontRef>
+        </p:style>
+      </p:cxnSp>
+      <p:cxnSp>
+        <p:nvCxnSpPr>
+          <p:cNvPr id="17" name="Straight Arrow Connector 16">
+            <a:extLst>
+              <a:ext uri="{FF2B5EF4-FFF2-40B4-BE49-F238E27FC236}">
+                <a16:creationId xmlns:a16="http://schemas.microsoft.com/office/drawing/2014/main" id="{476889B2-20B9-49A7-9088-46198441FAB7}"/>
+              </a:ext>
+            </a:extLst>
+          </p:cNvPr>
+          <p:cNvCxnSpPr>
+            <a:stCxn id="37" idx="1"/>
+            <a:endCxn id="50" idx="3"/>
+          </p:cNvCxnSpPr>
+          <p:nvPr/>
+        </p:nvCxnSpPr>
+        <p:spPr>
+          <a:xfrm flipH="1" flipV="1">
+            <a:off x="3677265" y="5997676"/>
+            <a:ext cx="1066799" cy="1"/>
+          </a:xfrm>
+          <a:prstGeom prst="straightConnector1">
+            <a:avLst/>
+          </a:prstGeom>
+          <a:ln>
+            <a:tailEnd type="triangle"/>
+          </a:ln>
+        </p:spPr>
+        <p:style>
+          <a:lnRef idx="1">
+            <a:schemeClr val="accent1"/>
+          </a:lnRef>
+          <a:fillRef idx="0">
+            <a:schemeClr val="accent1"/>
+          </a:fillRef>
+          <a:effectRef idx="0">
+            <a:schemeClr val="accent1"/>
+          </a:effectRef>
+          <a:fontRef idx="minor">
+            <a:schemeClr val="tx1"/>
+          </a:fontRef>
+        </p:style>
+      </p:cxnSp>
     </p:spTree>
     <p:extLst>
       <p:ext uri="{BB962C8B-B14F-4D97-AF65-F5344CB8AC3E}">

--- a/docs/diagrams/ActivityDiagramDate.pptx
+++ b/docs/diagrams/ActivityDiagramDate.pptx
@@ -3624,7 +3624,7 @@
             <a:pPr algn="ctr"/>
             <a:r>
               <a:rPr lang="en-SG" dirty="0" err="1"/>
-              <a:t>parsePocketProjectDate</a:t>
+              <a:t>isFlexibleInput</a:t>
             </a:r>
             <a:endParaRPr lang="en-SG" dirty="0"/>
           </a:p>
@@ -3841,13 +3841,15 @@
               </a:ext>
             </a:extLst>
           </p:cNvPr>
-          <p:cNvCxnSpPr/>
+          <p:cNvCxnSpPr>
+            <a:cxnSpLocks/>
+          </p:cNvCxnSpPr>
           <p:nvPr/>
         </p:nvCxnSpPr>
         <p:spPr>
-          <a:xfrm>
-            <a:off x="4960374" y="2354819"/>
-            <a:ext cx="7374" cy="613271"/>
+          <a:xfrm flipH="1">
+            <a:off x="4960373" y="2354819"/>
+            <a:ext cx="1" cy="406915"/>
           </a:xfrm>
           <a:prstGeom prst="straightConnector1">
             <a:avLst/>
@@ -3885,7 +3887,7 @@
         </p:nvSpPr>
         <p:spPr>
           <a:xfrm>
-            <a:off x="4092677" y="2968090"/>
+            <a:off x="4085302" y="3812050"/>
             <a:ext cx="1750142" cy="738664"/>
           </a:xfrm>
           <a:prstGeom prst="roundRect">
@@ -3935,7 +3937,7 @@
         </p:nvSpPr>
         <p:spPr>
           <a:xfrm>
-            <a:off x="4092677" y="4271552"/>
+            <a:off x="4085302" y="4769236"/>
             <a:ext cx="1750142" cy="738664"/>
           </a:xfrm>
           <a:prstGeom prst="roundRect">
@@ -3980,13 +3982,16 @@
               </a:ext>
             </a:extLst>
           </p:cNvPr>
-          <p:cNvCxnSpPr/>
+          <p:cNvCxnSpPr>
+            <a:cxnSpLocks/>
+            <a:endCxn id="25" idx="0"/>
+          </p:cNvCxnSpPr>
           <p:nvPr/>
         </p:nvCxnSpPr>
         <p:spPr>
           <a:xfrm>
-            <a:off x="4967748" y="3658281"/>
-            <a:ext cx="7374" cy="613271"/>
+            <a:off x="4960373" y="4550713"/>
+            <a:ext cx="0" cy="218523"/>
           </a:xfrm>
           <a:prstGeom prst="straightConnector1">
             <a:avLst/>
@@ -4140,14 +4145,13 @@
           </p:cNvPr>
           <p:cNvCxnSpPr>
             <a:cxnSpLocks/>
-            <a:stCxn id="25" idx="2"/>
           </p:cNvCxnSpPr>
           <p:nvPr/>
         </p:nvCxnSpPr>
         <p:spPr>
           <a:xfrm>
-            <a:off x="4967748" y="5010216"/>
-            <a:ext cx="3687" cy="718712"/>
+            <a:off x="4971435" y="5521911"/>
+            <a:ext cx="0" cy="207017"/>
           </a:xfrm>
           <a:prstGeom prst="straightConnector1">
             <a:avLst/>
@@ -4496,6 +4500,97 @@
           <a:xfrm flipH="1" flipV="1">
             <a:off x="3677265" y="5997676"/>
             <a:ext cx="1066799" cy="1"/>
+          </a:xfrm>
+          <a:prstGeom prst="straightConnector1">
+            <a:avLst/>
+          </a:prstGeom>
+          <a:ln>
+            <a:tailEnd type="triangle"/>
+          </a:ln>
+        </p:spPr>
+        <p:style>
+          <a:lnRef idx="1">
+            <a:schemeClr val="accent1"/>
+          </a:lnRef>
+          <a:fillRef idx="0">
+            <a:schemeClr val="accent1"/>
+          </a:fillRef>
+          <a:effectRef idx="0">
+            <a:schemeClr val="accent1"/>
+          </a:effectRef>
+          <a:fontRef idx="minor">
+            <a:schemeClr val="tx1"/>
+          </a:fontRef>
+        </p:style>
+      </p:cxnSp>
+      <p:sp>
+        <p:nvSpPr>
+          <p:cNvPr id="28" name="Rectangle: Rounded Corners 27">
+            <a:extLst>
+              <a:ext uri="{FF2B5EF4-FFF2-40B4-BE49-F238E27FC236}">
+                <a16:creationId xmlns:a16="http://schemas.microsoft.com/office/drawing/2014/main" id="{CBBC1B6E-B138-4D16-9FE2-C1641A2CDA89}"/>
+              </a:ext>
+            </a:extLst>
+          </p:cNvPr>
+          <p:cNvSpPr/>
+          <p:nvPr/>
+        </p:nvSpPr>
+        <p:spPr>
+          <a:xfrm>
+            <a:off x="3542071" y="2755953"/>
+            <a:ext cx="2866102" cy="738664"/>
+          </a:xfrm>
+          <a:prstGeom prst="roundRect">
+            <a:avLst/>
+          </a:prstGeom>
+        </p:spPr>
+        <p:style>
+          <a:lnRef idx="2">
+            <a:schemeClr val="accent1">
+              <a:shade val="50000"/>
+            </a:schemeClr>
+          </a:lnRef>
+          <a:fillRef idx="1">
+            <a:schemeClr val="accent1"/>
+          </a:fillRef>
+          <a:effectRef idx="0">
+            <a:schemeClr val="accent1"/>
+          </a:effectRef>
+          <a:fontRef idx="minor">
+            <a:schemeClr val="lt1"/>
+          </a:fontRef>
+        </p:style>
+        <p:txBody>
+          <a:bodyPr rtlCol="0" anchor="ctr"/>
+          <a:lstStyle/>
+          <a:p>
+            <a:pPr algn="ctr"/>
+            <a:r>
+              <a:rPr lang="en-SG" dirty="0" err="1"/>
+              <a:t>parsePocketProjectDate</a:t>
+            </a:r>
+            <a:endParaRPr lang="en-SG" dirty="0"/>
+          </a:p>
+        </p:txBody>
+      </p:sp>
+      <p:cxnSp>
+        <p:nvCxnSpPr>
+          <p:cNvPr id="36" name="Straight Arrow Connector 35">
+            <a:extLst>
+              <a:ext uri="{FF2B5EF4-FFF2-40B4-BE49-F238E27FC236}">
+                <a16:creationId xmlns:a16="http://schemas.microsoft.com/office/drawing/2014/main" id="{B68D53AF-4F79-47E2-8BD0-0CDBA32B4C84}"/>
+              </a:ext>
+            </a:extLst>
+          </p:cNvPr>
+          <p:cNvCxnSpPr>
+            <a:cxnSpLocks/>
+          </p:cNvCxnSpPr>
+          <p:nvPr/>
+        </p:nvCxnSpPr>
+        <p:spPr>
+          <a:xfrm flipH="1">
+            <a:off x="4960372" y="3402977"/>
+            <a:ext cx="1" cy="406915"/>
           </a:xfrm>
           <a:prstGeom prst="straightConnector1">
             <a:avLst/>
